--- a/MS/Electric Drives Control/WECSAssignment7/Negative Sequence Compensation/DFIG.pptx
+++ b/MS/Electric Drives Control/WECSAssignment7/Negative Sequence Compensation/DFIG.pptx
@@ -3033,7 +3033,11 @@
             </a:r>
             <a:r>
               <a:rPr lang="en-US" dirty="0" smtClean="0"/>
-              <a:t>Generator during Stator Voltage Unbalance</a:t>
+              <a:t>Generator during Stator Voltage </a:t>
+            </a:r>
+            <a:r>
+              <a:rPr lang="en-US" dirty="0" smtClean="0"/>
+              <a:t>Imbalance</a:t>
             </a:r>
             <a:endParaRPr lang="en-US" dirty="0"/>
           </a:p>
@@ -3127,8 +3131,8 @@
           </a:p>
         </p:txBody>
       </p:sp>
-      <mc:AlternateContent xmlns:mc="http://schemas.openxmlformats.org/markup-compatibility/2006">
-        <mc:Choice xmlns:a14="http://schemas.microsoft.com/office/drawing/2010/main" Requires="a14">
+      <mc:AlternateContent xmlns:mc="http://schemas.openxmlformats.org/markup-compatibility/2006" xmlns:a14="http://schemas.microsoft.com/office/drawing/2010/main">
+        <mc:Choice Requires="a14">
           <p:sp>
             <p:nvSpPr>
               <p:cNvPr id="3" name="Content Placeholder 2"/>
@@ -3160,18 +3164,24 @@
                     <m:sSub>
                       <m:sSubPr>
                         <m:ctrlPr>
-                          <a:rPr lang="en-US" i="1"/>
+                          <a:rPr lang="en-US" i="1">
+                            <a:latin typeface="Cambria Math" panose="02040503050406030204" pitchFamily="18" charset="0"/>
+                          </a:rPr>
                         </m:ctrlPr>
                       </m:sSubPr>
                       <m:e>
                         <m:r>
-                          <a:rPr lang="en-US" i="1"/>
+                          <a:rPr lang="en-US" i="1">
+                            <a:latin typeface="Cambria Math" panose="02040503050406030204" pitchFamily="18" charset="0"/>
+                          </a:rPr>
                           <m:t>𝑣</m:t>
                         </m:r>
                       </m:e>
                       <m:sub>
                         <m:r>
-                          <a:rPr lang="en-US" i="1"/>
+                          <a:rPr lang="en-US" i="1">
+                            <a:latin typeface="Cambria Math" panose="02040503050406030204" pitchFamily="18" charset="0"/>
+                          </a:rPr>
                           <m:t>𝑑𝑠</m:t>
                         </m:r>
                       </m:sub>
@@ -3202,41 +3212,55 @@
                       <m:sSub>
                         <m:sSubPr>
                           <m:ctrlPr>
-                            <a:rPr lang="en-US" i="1"/>
+                            <a:rPr lang="en-US" i="1">
+                              <a:latin typeface="Cambria Math" panose="02040503050406030204" pitchFamily="18" charset="0"/>
+                            </a:rPr>
                           </m:ctrlPr>
                         </m:sSubPr>
                         <m:e>
                           <m:r>
-                            <a:rPr lang="en-US" i="1"/>
+                            <a:rPr lang="en-US" i="1">
+                              <a:latin typeface="Cambria Math" panose="02040503050406030204" pitchFamily="18" charset="0"/>
+                            </a:rPr>
                             <m:t>ѱ</m:t>
                           </m:r>
                         </m:e>
                         <m:sub>
                           <m:r>
-                            <a:rPr lang="en-US" i="1"/>
+                            <a:rPr lang="en-US" i="1">
+                              <a:latin typeface="Cambria Math" panose="02040503050406030204" pitchFamily="18" charset="0"/>
+                            </a:rPr>
                             <m:t>𝑞𝑠</m:t>
                           </m:r>
                         </m:sub>
                       </m:sSub>
                       <m:r>
-                        <a:rPr lang="en-US" i="1"/>
+                        <a:rPr lang="en-US" i="1">
+                          <a:latin typeface="Cambria Math" panose="02040503050406030204" pitchFamily="18" charset="0"/>
+                        </a:rPr>
                         <m:t>=</m:t>
                       </m:r>
                       <m:sSub>
                         <m:sSubPr>
                           <m:ctrlPr>
-                            <a:rPr lang="en-US" i="1"/>
+                            <a:rPr lang="en-US" i="1">
+                              <a:latin typeface="Cambria Math" panose="02040503050406030204" pitchFamily="18" charset="0"/>
+                            </a:rPr>
                           </m:ctrlPr>
                         </m:sSubPr>
                         <m:e>
                           <m:r>
-                            <a:rPr lang="en-US" i="1"/>
+                            <a:rPr lang="en-US" i="1">
+                              <a:latin typeface="Cambria Math" panose="02040503050406030204" pitchFamily="18" charset="0"/>
+                            </a:rPr>
                             <m:t>𝐿</m:t>
                           </m:r>
                         </m:e>
                         <m:sub>
                           <m:r>
-                            <a:rPr lang="en-US" i="1"/>
+                            <a:rPr lang="en-US" i="1">
+                              <a:latin typeface="Cambria Math" panose="02040503050406030204" pitchFamily="18" charset="0"/>
+                            </a:rPr>
                             <m:t>𝑠</m:t>
                           </m:r>
                         </m:sub>
@@ -3244,41 +3268,55 @@
                       <m:sSub>
                         <m:sSubPr>
                           <m:ctrlPr>
-                            <a:rPr lang="en-US" i="1"/>
+                            <a:rPr lang="en-US" i="1">
+                              <a:latin typeface="Cambria Math" panose="02040503050406030204" pitchFamily="18" charset="0"/>
+                            </a:rPr>
                           </m:ctrlPr>
                         </m:sSubPr>
                         <m:e>
                           <m:r>
-                            <a:rPr lang="en-US" i="1"/>
+                            <a:rPr lang="en-US" i="1">
+                              <a:latin typeface="Cambria Math" panose="02040503050406030204" pitchFamily="18" charset="0"/>
+                            </a:rPr>
                             <m:t>𝑖</m:t>
                           </m:r>
                         </m:e>
                         <m:sub>
                           <m:r>
-                            <a:rPr lang="en-US" i="1"/>
+                            <a:rPr lang="en-US" i="1">
+                              <a:latin typeface="Cambria Math" panose="02040503050406030204" pitchFamily="18" charset="0"/>
+                            </a:rPr>
                             <m:t>𝑞𝑠</m:t>
                           </m:r>
                         </m:sub>
                       </m:sSub>
                       <m:r>
-                        <a:rPr lang="en-US" i="1"/>
+                        <a:rPr lang="en-US" i="1">
+                          <a:latin typeface="Cambria Math" panose="02040503050406030204" pitchFamily="18" charset="0"/>
+                        </a:rPr>
                         <m:t>+</m:t>
                       </m:r>
                       <m:sSub>
                         <m:sSubPr>
                           <m:ctrlPr>
-                            <a:rPr lang="en-US" i="1"/>
+                            <a:rPr lang="en-US" i="1">
+                              <a:latin typeface="Cambria Math" panose="02040503050406030204" pitchFamily="18" charset="0"/>
+                            </a:rPr>
                           </m:ctrlPr>
                         </m:sSubPr>
                         <m:e>
                           <m:r>
-                            <a:rPr lang="en-US" i="1"/>
+                            <a:rPr lang="en-US" i="1">
+                              <a:latin typeface="Cambria Math" panose="02040503050406030204" pitchFamily="18" charset="0"/>
+                            </a:rPr>
                             <m:t>𝐿</m:t>
                           </m:r>
                         </m:e>
                         <m:sub>
                           <m:r>
-                            <a:rPr lang="en-US" i="1"/>
+                            <a:rPr lang="en-US" i="1">
+                              <a:latin typeface="Cambria Math" panose="02040503050406030204" pitchFamily="18" charset="0"/>
+                            </a:rPr>
                             <m:t>𝑚</m:t>
                           </m:r>
                         </m:sub>
@@ -3286,24 +3324,32 @@
                       <m:sSub>
                         <m:sSubPr>
                           <m:ctrlPr>
-                            <a:rPr lang="en-US" i="1"/>
+                            <a:rPr lang="en-US" i="1">
+                              <a:latin typeface="Cambria Math" panose="02040503050406030204" pitchFamily="18" charset="0"/>
+                            </a:rPr>
                           </m:ctrlPr>
                         </m:sSubPr>
                         <m:e>
                           <m:r>
-                            <a:rPr lang="en-US" i="1"/>
+                            <a:rPr lang="en-US" i="1">
+                              <a:latin typeface="Cambria Math" panose="02040503050406030204" pitchFamily="18" charset="0"/>
+                            </a:rPr>
                             <m:t>𝑖</m:t>
                           </m:r>
                         </m:e>
                         <m:sub>
                           <m:r>
-                            <a:rPr lang="en-US" i="1"/>
+                            <a:rPr lang="en-US" i="1">
+                              <a:latin typeface="Cambria Math" panose="02040503050406030204" pitchFamily="18" charset="0"/>
+                            </a:rPr>
                             <m:t>𝑞𝑟</m:t>
                           </m:r>
                         </m:sub>
                       </m:sSub>
                       <m:r>
-                        <a:rPr lang="en-US" i="1"/>
+                        <a:rPr lang="en-US" i="1">
+                          <a:latin typeface="Cambria Math" panose="02040503050406030204" pitchFamily="18" charset="0"/>
+                        </a:rPr>
                         <m:t>=0</m:t>
                       </m:r>
                     </m:oMath>
@@ -3330,41 +3376,55 @@
                       <m:sSub>
                         <m:sSubPr>
                           <m:ctrlPr>
-                            <a:rPr lang="en-US" i="1"/>
+                            <a:rPr lang="en-US" i="1">
+                              <a:latin typeface="Cambria Math" panose="02040503050406030204" pitchFamily="18" charset="0"/>
+                            </a:rPr>
                           </m:ctrlPr>
                         </m:sSubPr>
                         <m:e>
                           <m:r>
-                            <a:rPr lang="en-US" i="1"/>
+                            <a:rPr lang="en-US" i="1">
+                              <a:latin typeface="Cambria Math" panose="02040503050406030204" pitchFamily="18" charset="0"/>
+                            </a:rPr>
                             <m:t>ѱ</m:t>
                           </m:r>
                         </m:e>
                         <m:sub>
                           <m:r>
-                            <a:rPr lang="en-US" i="1"/>
+                            <a:rPr lang="en-US" i="1">
+                              <a:latin typeface="Cambria Math" panose="02040503050406030204" pitchFamily="18" charset="0"/>
+                            </a:rPr>
                             <m:t>𝑑𝑠</m:t>
                           </m:r>
                         </m:sub>
                       </m:sSub>
                       <m:r>
-                        <a:rPr lang="en-US" i="1"/>
+                        <a:rPr lang="en-US" i="1">
+                          <a:latin typeface="Cambria Math" panose="02040503050406030204" pitchFamily="18" charset="0"/>
+                        </a:rPr>
                         <m:t>=</m:t>
                       </m:r>
                       <m:sSub>
                         <m:sSubPr>
                           <m:ctrlPr>
-                            <a:rPr lang="en-US" i="1"/>
+                            <a:rPr lang="en-US" i="1">
+                              <a:latin typeface="Cambria Math" panose="02040503050406030204" pitchFamily="18" charset="0"/>
+                            </a:rPr>
                           </m:ctrlPr>
                         </m:sSubPr>
                         <m:e>
                           <m:r>
-                            <a:rPr lang="en-US" i="1"/>
+                            <a:rPr lang="en-US" i="1">
+                              <a:latin typeface="Cambria Math" panose="02040503050406030204" pitchFamily="18" charset="0"/>
+                            </a:rPr>
                             <m:t>𝐿</m:t>
                           </m:r>
                         </m:e>
                         <m:sub>
                           <m:r>
-                            <a:rPr lang="en-US" i="1"/>
+                            <a:rPr lang="en-US" i="1">
+                              <a:latin typeface="Cambria Math" panose="02040503050406030204" pitchFamily="18" charset="0"/>
+                            </a:rPr>
                             <m:t>𝑠</m:t>
                           </m:r>
                         </m:sub>
@@ -3372,41 +3432,55 @@
                       <m:sSub>
                         <m:sSubPr>
                           <m:ctrlPr>
-                            <a:rPr lang="en-US" i="1"/>
+                            <a:rPr lang="en-US" i="1">
+                              <a:latin typeface="Cambria Math" panose="02040503050406030204" pitchFamily="18" charset="0"/>
+                            </a:rPr>
                           </m:ctrlPr>
                         </m:sSubPr>
                         <m:e>
                           <m:r>
-                            <a:rPr lang="en-US" i="1"/>
+                            <a:rPr lang="en-US" i="1">
+                              <a:latin typeface="Cambria Math" panose="02040503050406030204" pitchFamily="18" charset="0"/>
+                            </a:rPr>
                             <m:t>𝑖</m:t>
                           </m:r>
                         </m:e>
                         <m:sub>
                           <m:r>
-                            <a:rPr lang="en-US" i="1"/>
+                            <a:rPr lang="en-US" i="1">
+                              <a:latin typeface="Cambria Math" panose="02040503050406030204" pitchFamily="18" charset="0"/>
+                            </a:rPr>
                             <m:t>𝑑𝑠</m:t>
                           </m:r>
                         </m:sub>
                       </m:sSub>
                       <m:r>
-                        <a:rPr lang="en-US" i="1"/>
+                        <a:rPr lang="en-US" i="1">
+                          <a:latin typeface="Cambria Math" panose="02040503050406030204" pitchFamily="18" charset="0"/>
+                        </a:rPr>
                         <m:t>+</m:t>
                       </m:r>
                       <m:sSub>
                         <m:sSubPr>
                           <m:ctrlPr>
-                            <a:rPr lang="en-US" i="1"/>
+                            <a:rPr lang="en-US" i="1">
+                              <a:latin typeface="Cambria Math" panose="02040503050406030204" pitchFamily="18" charset="0"/>
+                            </a:rPr>
                           </m:ctrlPr>
                         </m:sSubPr>
                         <m:e>
                           <m:r>
-                            <a:rPr lang="en-US" i="1"/>
+                            <a:rPr lang="en-US" i="1">
+                              <a:latin typeface="Cambria Math" panose="02040503050406030204" pitchFamily="18" charset="0"/>
+                            </a:rPr>
                             <m:t>𝐿</m:t>
                           </m:r>
                         </m:e>
                         <m:sub>
                           <m:r>
-                            <a:rPr lang="en-US" i="1"/>
+                            <a:rPr lang="en-US" i="1">
+                              <a:latin typeface="Cambria Math" panose="02040503050406030204" pitchFamily="18" charset="0"/>
+                            </a:rPr>
                             <m:t>𝑚</m:t>
                           </m:r>
                         </m:sub>
@@ -3414,41 +3488,55 @@
                       <m:sSub>
                         <m:sSubPr>
                           <m:ctrlPr>
-                            <a:rPr lang="en-US" i="1"/>
+                            <a:rPr lang="en-US" i="1">
+                              <a:latin typeface="Cambria Math" panose="02040503050406030204" pitchFamily="18" charset="0"/>
+                            </a:rPr>
                           </m:ctrlPr>
                         </m:sSubPr>
                         <m:e>
                           <m:r>
-                            <a:rPr lang="en-US" i="1"/>
+                            <a:rPr lang="en-US" i="1">
+                              <a:latin typeface="Cambria Math" panose="02040503050406030204" pitchFamily="18" charset="0"/>
+                            </a:rPr>
                             <m:t>𝑖</m:t>
                           </m:r>
                         </m:e>
                         <m:sub>
                           <m:r>
-                            <a:rPr lang="en-US" i="1"/>
+                            <a:rPr lang="en-US" i="1">
+                              <a:latin typeface="Cambria Math" panose="02040503050406030204" pitchFamily="18" charset="0"/>
+                            </a:rPr>
                             <m:t>𝑑𝑟</m:t>
                           </m:r>
                         </m:sub>
                       </m:sSub>
                       <m:r>
-                        <a:rPr lang="en-US" i="1"/>
+                        <a:rPr lang="en-US" i="1">
+                          <a:latin typeface="Cambria Math" panose="02040503050406030204" pitchFamily="18" charset="0"/>
+                        </a:rPr>
                         <m:t>=</m:t>
                       </m:r>
                       <m:sSub>
                         <m:sSubPr>
                           <m:ctrlPr>
-                            <a:rPr lang="en-US" i="1"/>
+                            <a:rPr lang="en-US" i="1">
+                              <a:latin typeface="Cambria Math" panose="02040503050406030204" pitchFamily="18" charset="0"/>
+                            </a:rPr>
                           </m:ctrlPr>
                         </m:sSubPr>
                         <m:e>
                           <m:r>
-                            <a:rPr lang="en-US" i="1"/>
+                            <a:rPr lang="en-US" i="1">
+                              <a:latin typeface="Cambria Math" panose="02040503050406030204" pitchFamily="18" charset="0"/>
+                            </a:rPr>
                             <m:t>ѱ</m:t>
                           </m:r>
                         </m:e>
                         <m:sub>
                           <m:r>
-                            <a:rPr lang="en-US" i="1"/>
+                            <a:rPr lang="en-US" i="1">
+                              <a:latin typeface="Cambria Math" panose="02040503050406030204" pitchFamily="18" charset="0"/>
+                            </a:rPr>
                             <m:t>𝑠</m:t>
                           </m:r>
                         </m:sub>
@@ -3477,41 +3565,55 @@
                       <m:sSub>
                         <m:sSubPr>
                           <m:ctrlPr>
-                            <a:rPr lang="en-US" i="1"/>
+                            <a:rPr lang="en-US" i="1">
+                              <a:latin typeface="Cambria Math" panose="02040503050406030204" pitchFamily="18" charset="0"/>
+                            </a:rPr>
                           </m:ctrlPr>
                         </m:sSubPr>
                         <m:e>
                           <m:r>
-                            <a:rPr lang="en-US" i="1"/>
+                            <a:rPr lang="en-US" i="1">
+                              <a:latin typeface="Cambria Math" panose="02040503050406030204" pitchFamily="18" charset="0"/>
+                            </a:rPr>
                             <m:t>ѱ</m:t>
                           </m:r>
                         </m:e>
                         <m:sub>
                           <m:r>
-                            <a:rPr lang="en-US" i="1"/>
+                            <a:rPr lang="en-US" i="1">
+                              <a:latin typeface="Cambria Math" panose="02040503050406030204" pitchFamily="18" charset="0"/>
+                            </a:rPr>
                             <m:t>𝑞𝑟</m:t>
                           </m:r>
                         </m:sub>
                       </m:sSub>
                       <m:r>
-                        <a:rPr lang="en-US" i="1"/>
+                        <a:rPr lang="en-US" i="1">
+                          <a:latin typeface="Cambria Math" panose="02040503050406030204" pitchFamily="18" charset="0"/>
+                        </a:rPr>
                         <m:t>=</m:t>
                       </m:r>
                       <m:sSub>
                         <m:sSubPr>
                           <m:ctrlPr>
-                            <a:rPr lang="en-US" i="1"/>
+                            <a:rPr lang="en-US" i="1">
+                              <a:latin typeface="Cambria Math" panose="02040503050406030204" pitchFamily="18" charset="0"/>
+                            </a:rPr>
                           </m:ctrlPr>
                         </m:sSubPr>
                         <m:e>
                           <m:r>
-                            <a:rPr lang="en-US" i="1"/>
+                            <a:rPr lang="en-US" i="1">
+                              <a:latin typeface="Cambria Math" panose="02040503050406030204" pitchFamily="18" charset="0"/>
+                            </a:rPr>
                             <m:t>𝐿</m:t>
                           </m:r>
                         </m:e>
                         <m:sub>
                           <m:r>
-                            <a:rPr lang="en-US" i="1"/>
+                            <a:rPr lang="en-US" i="1">
+                              <a:latin typeface="Cambria Math" panose="02040503050406030204" pitchFamily="18" charset="0"/>
+                            </a:rPr>
                             <m:t>𝑟</m:t>
                           </m:r>
                         </m:sub>
@@ -3519,41 +3621,55 @@
                       <m:sSub>
                         <m:sSubPr>
                           <m:ctrlPr>
-                            <a:rPr lang="en-US" i="1"/>
+                            <a:rPr lang="en-US" i="1">
+                              <a:latin typeface="Cambria Math" panose="02040503050406030204" pitchFamily="18" charset="0"/>
+                            </a:rPr>
                           </m:ctrlPr>
                         </m:sSubPr>
                         <m:e>
                           <m:r>
-                            <a:rPr lang="en-US" i="1"/>
+                            <a:rPr lang="en-US" i="1">
+                              <a:latin typeface="Cambria Math" panose="02040503050406030204" pitchFamily="18" charset="0"/>
+                            </a:rPr>
                             <m:t>𝑖</m:t>
                           </m:r>
                         </m:e>
                         <m:sub>
                           <m:r>
-                            <a:rPr lang="en-US" i="1"/>
+                            <a:rPr lang="en-US" i="1">
+                              <a:latin typeface="Cambria Math" panose="02040503050406030204" pitchFamily="18" charset="0"/>
+                            </a:rPr>
                             <m:t>𝑞𝑟</m:t>
                           </m:r>
                         </m:sub>
                       </m:sSub>
                       <m:r>
-                        <a:rPr lang="en-US" i="1"/>
+                        <a:rPr lang="en-US" i="1">
+                          <a:latin typeface="Cambria Math" panose="02040503050406030204" pitchFamily="18" charset="0"/>
+                        </a:rPr>
                         <m:t>+</m:t>
                       </m:r>
                       <m:sSub>
                         <m:sSubPr>
                           <m:ctrlPr>
-                            <a:rPr lang="en-US" i="1"/>
+                            <a:rPr lang="en-US" i="1">
+                              <a:latin typeface="Cambria Math" panose="02040503050406030204" pitchFamily="18" charset="0"/>
+                            </a:rPr>
                           </m:ctrlPr>
                         </m:sSubPr>
                         <m:e>
                           <m:r>
-                            <a:rPr lang="en-US" i="1"/>
+                            <a:rPr lang="en-US" i="1">
+                              <a:latin typeface="Cambria Math" panose="02040503050406030204" pitchFamily="18" charset="0"/>
+                            </a:rPr>
                             <m:t>𝐿</m:t>
                           </m:r>
                         </m:e>
                         <m:sub>
                           <m:r>
-                            <a:rPr lang="en-US" i="1"/>
+                            <a:rPr lang="en-US" i="1">
+                              <a:latin typeface="Cambria Math" panose="02040503050406030204" pitchFamily="18" charset="0"/>
+                            </a:rPr>
                             <m:t>𝑚</m:t>
                           </m:r>
                         </m:sub>
@@ -3561,84 +3677,112 @@
                       <m:sSub>
                         <m:sSubPr>
                           <m:ctrlPr>
-                            <a:rPr lang="en-US" i="1"/>
+                            <a:rPr lang="en-US" i="1">
+                              <a:latin typeface="Cambria Math" panose="02040503050406030204" pitchFamily="18" charset="0"/>
+                            </a:rPr>
                           </m:ctrlPr>
                         </m:sSubPr>
                         <m:e>
                           <m:r>
-                            <a:rPr lang="en-US" i="1"/>
+                            <a:rPr lang="en-US" i="1">
+                              <a:latin typeface="Cambria Math" panose="02040503050406030204" pitchFamily="18" charset="0"/>
+                            </a:rPr>
                             <m:t>𝑖</m:t>
                           </m:r>
                         </m:e>
                         <m:sub>
                           <m:r>
-                            <a:rPr lang="en-US" i="1"/>
+                            <a:rPr lang="en-US" i="1">
+                              <a:latin typeface="Cambria Math" panose="02040503050406030204" pitchFamily="18" charset="0"/>
+                            </a:rPr>
                             <m:t>𝑞𝑠</m:t>
                           </m:r>
                         </m:sub>
                       </m:sSub>
                       <m:r>
-                        <a:rPr lang="en-US" i="1"/>
+                        <a:rPr lang="en-US" i="1">
+                          <a:latin typeface="Cambria Math" panose="02040503050406030204" pitchFamily="18" charset="0"/>
+                        </a:rPr>
                         <m:t>=</m:t>
                       </m:r>
                       <m:d>
                         <m:dPr>
                           <m:ctrlPr>
-                            <a:rPr lang="en-US" i="1"/>
+                            <a:rPr lang="en-US" i="1">
+                              <a:latin typeface="Cambria Math" panose="02040503050406030204" pitchFamily="18" charset="0"/>
+                            </a:rPr>
                           </m:ctrlPr>
                         </m:dPr>
                         <m:e>
                           <m:sSub>
                             <m:sSubPr>
                               <m:ctrlPr>
-                                <a:rPr lang="en-US" i="1"/>
+                                <a:rPr lang="en-US" i="1">
+                                  <a:latin typeface="Cambria Math" panose="02040503050406030204" pitchFamily="18" charset="0"/>
+                                </a:rPr>
                               </m:ctrlPr>
                             </m:sSubPr>
                             <m:e>
                               <m:r>
-                                <a:rPr lang="en-US" i="1"/>
+                                <a:rPr lang="en-US" i="1">
+                                  <a:latin typeface="Cambria Math" panose="02040503050406030204" pitchFamily="18" charset="0"/>
+                                </a:rPr>
                                 <m:t>𝐿</m:t>
                               </m:r>
                             </m:e>
                             <m:sub>
                               <m:r>
-                                <a:rPr lang="en-US" i="1"/>
+                                <a:rPr lang="en-US" i="1">
+                                  <a:latin typeface="Cambria Math" panose="02040503050406030204" pitchFamily="18" charset="0"/>
+                                </a:rPr>
                                 <m:t>𝑟</m:t>
                               </m:r>
                             </m:sub>
                           </m:sSub>
                           <m:r>
-                            <a:rPr lang="en-US" i="1"/>
+                            <a:rPr lang="en-US" i="1">
+                              <a:latin typeface="Cambria Math" panose="02040503050406030204" pitchFamily="18" charset="0"/>
+                            </a:rPr>
                             <m:t>−</m:t>
                           </m:r>
                           <m:f>
                             <m:fPr>
                               <m:ctrlPr>
-                                <a:rPr lang="en-US" i="1"/>
+                                <a:rPr lang="en-US" i="1">
+                                  <a:latin typeface="Cambria Math" panose="02040503050406030204" pitchFamily="18" charset="0"/>
+                                </a:rPr>
                               </m:ctrlPr>
                             </m:fPr>
                             <m:num>
                               <m:sSubSup>
                                 <m:sSubSupPr>
                                   <m:ctrlPr>
-                                    <a:rPr lang="en-US" i="1"/>
+                                    <a:rPr lang="en-US" i="1">
+                                      <a:latin typeface="Cambria Math" panose="02040503050406030204" pitchFamily="18" charset="0"/>
+                                    </a:rPr>
                                   </m:ctrlPr>
                                 </m:sSubSupPr>
                                 <m:e>
                                   <m:r>
-                                    <a:rPr lang="en-US" i="1"/>
+                                    <a:rPr lang="en-US" i="1">
+                                      <a:latin typeface="Cambria Math" panose="02040503050406030204" pitchFamily="18" charset="0"/>
+                                    </a:rPr>
                                     <m:t>𝐿</m:t>
                                   </m:r>
                                 </m:e>
                                 <m:sub>
                                   <m:r>
-                                    <a:rPr lang="en-US" i="1"/>
+                                    <a:rPr lang="en-US" i="1">
+                                      <a:latin typeface="Cambria Math" panose="02040503050406030204" pitchFamily="18" charset="0"/>
+                                    </a:rPr>
                                     <m:t>𝑚</m:t>
                                   </m:r>
                                 </m:sub>
                                 <m:sup>
                                   <m:r>
-                                    <a:rPr lang="en-US" i="1"/>
+                                    <a:rPr lang="en-US" i="1">
+                                      <a:latin typeface="Cambria Math" panose="02040503050406030204" pitchFamily="18" charset="0"/>
+                                    </a:rPr>
                                     <m:t>2</m:t>
                                   </m:r>
                                 </m:sup>
@@ -3648,18 +3792,24 @@
                               <m:sSub>
                                 <m:sSubPr>
                                   <m:ctrlPr>
-                                    <a:rPr lang="en-US" i="1"/>
+                                    <a:rPr lang="en-US" i="1">
+                                      <a:latin typeface="Cambria Math" panose="02040503050406030204" pitchFamily="18" charset="0"/>
+                                    </a:rPr>
                                   </m:ctrlPr>
                                 </m:sSubPr>
                                 <m:e>
                                   <m:r>
-                                    <a:rPr lang="en-US" i="1"/>
+                                    <a:rPr lang="en-US" i="1">
+                                      <a:latin typeface="Cambria Math" panose="02040503050406030204" pitchFamily="18" charset="0"/>
+                                    </a:rPr>
                                     <m:t>𝐿</m:t>
                                   </m:r>
                                 </m:e>
                                 <m:sub>
                                   <m:r>
-                                    <a:rPr lang="en-US" i="1"/>
+                                    <a:rPr lang="en-US" i="1">
+                                      <a:latin typeface="Cambria Math" panose="02040503050406030204" pitchFamily="18" charset="0"/>
+                                    </a:rPr>
                                     <m:t>𝑠</m:t>
                                   </m:r>
                                 </m:sub>
@@ -3671,45 +3821,61 @@
                       <m:sSub>
                         <m:sSubPr>
                           <m:ctrlPr>
-                            <a:rPr lang="en-US" i="1"/>
+                            <a:rPr lang="en-US" i="1">
+                              <a:latin typeface="Cambria Math" panose="02040503050406030204" pitchFamily="18" charset="0"/>
+                            </a:rPr>
                           </m:ctrlPr>
                         </m:sSubPr>
                         <m:e>
                           <m:r>
-                            <a:rPr lang="en-US" i="1"/>
+                            <a:rPr lang="en-US" i="1">
+                              <a:latin typeface="Cambria Math" panose="02040503050406030204" pitchFamily="18" charset="0"/>
+                            </a:rPr>
                             <m:t>𝑖</m:t>
                           </m:r>
                         </m:e>
                         <m:sub>
                           <m:r>
-                            <a:rPr lang="en-US" i="1"/>
+                            <a:rPr lang="en-US" i="1">
+                              <a:latin typeface="Cambria Math" panose="02040503050406030204" pitchFamily="18" charset="0"/>
+                            </a:rPr>
                             <m:t>𝑞𝑟</m:t>
                           </m:r>
                         </m:sub>
                       </m:sSub>
                       <m:r>
-                        <a:rPr lang="en-US" i="1"/>
+                        <a:rPr lang="en-US" i="1">
+                          <a:latin typeface="Cambria Math" panose="02040503050406030204" pitchFamily="18" charset="0"/>
+                        </a:rPr>
                         <m:t>=</m:t>
                       </m:r>
                       <m:r>
-                        <a:rPr lang="en-US" i="1"/>
+                        <a:rPr lang="en-US" i="1">
+                          <a:latin typeface="Cambria Math" panose="02040503050406030204" pitchFamily="18" charset="0"/>
+                        </a:rPr>
                         <m:t>𝜎</m:t>
                       </m:r>
                       <m:sSub>
                         <m:sSubPr>
                           <m:ctrlPr>
-                            <a:rPr lang="en-US" i="1"/>
+                            <a:rPr lang="en-US" i="1">
+                              <a:latin typeface="Cambria Math" panose="02040503050406030204" pitchFamily="18" charset="0"/>
+                            </a:rPr>
                           </m:ctrlPr>
                         </m:sSubPr>
                         <m:e>
                           <m:r>
-                            <a:rPr lang="en-US" i="1"/>
+                            <a:rPr lang="en-US" i="1">
+                              <a:latin typeface="Cambria Math" panose="02040503050406030204" pitchFamily="18" charset="0"/>
+                            </a:rPr>
                             <m:t>𝐿</m:t>
                           </m:r>
                         </m:e>
                         <m:sub>
                           <m:r>
-                            <a:rPr lang="en-US" i="1"/>
+                            <a:rPr lang="en-US" i="1">
+                              <a:latin typeface="Cambria Math" panose="02040503050406030204" pitchFamily="18" charset="0"/>
+                            </a:rPr>
                             <m:t>𝑟</m:t>
                           </m:r>
                         </m:sub>
@@ -3717,18 +3883,24 @@
                       <m:sSub>
                         <m:sSubPr>
                           <m:ctrlPr>
-                            <a:rPr lang="en-US" i="1"/>
+                            <a:rPr lang="en-US" i="1">
+                              <a:latin typeface="Cambria Math" panose="02040503050406030204" pitchFamily="18" charset="0"/>
+                            </a:rPr>
                           </m:ctrlPr>
                         </m:sSubPr>
                         <m:e>
                           <m:r>
-                            <a:rPr lang="en-US" i="1"/>
+                            <a:rPr lang="en-US" i="1">
+                              <a:latin typeface="Cambria Math" panose="02040503050406030204" pitchFamily="18" charset="0"/>
+                            </a:rPr>
                             <m:t>𝑖</m:t>
                           </m:r>
                         </m:e>
                         <m:sub>
                           <m:r>
-                            <a:rPr lang="en-US" i="1"/>
+                            <a:rPr lang="en-US" i="1">
+                              <a:latin typeface="Cambria Math" panose="02040503050406030204" pitchFamily="18" charset="0"/>
+                            </a:rPr>
                             <m:t>𝑞𝑟</m:t>
                           </m:r>
                         </m:sub>
@@ -3757,41 +3929,55 @@
                       <m:sSub>
                         <m:sSubPr>
                           <m:ctrlPr>
-                            <a:rPr lang="en-US" i="1"/>
+                            <a:rPr lang="en-US" i="1">
+                              <a:latin typeface="Cambria Math" panose="02040503050406030204" pitchFamily="18" charset="0"/>
+                            </a:rPr>
                           </m:ctrlPr>
                         </m:sSubPr>
                         <m:e>
                           <m:r>
-                            <a:rPr lang="en-US" i="1"/>
+                            <a:rPr lang="en-US" i="1">
+                              <a:latin typeface="Cambria Math" panose="02040503050406030204" pitchFamily="18" charset="0"/>
+                            </a:rPr>
                             <m:t>ѱ</m:t>
                           </m:r>
                         </m:e>
                         <m:sub>
                           <m:r>
-                            <a:rPr lang="en-US" i="1"/>
+                            <a:rPr lang="en-US" i="1">
+                              <a:latin typeface="Cambria Math" panose="02040503050406030204" pitchFamily="18" charset="0"/>
+                            </a:rPr>
                             <m:t>𝑑𝑟</m:t>
                           </m:r>
                         </m:sub>
                       </m:sSub>
                       <m:r>
-                        <a:rPr lang="en-US" i="1"/>
+                        <a:rPr lang="en-US" i="1">
+                          <a:latin typeface="Cambria Math" panose="02040503050406030204" pitchFamily="18" charset="0"/>
+                        </a:rPr>
                         <m:t>=</m:t>
                       </m:r>
                       <m:sSub>
                         <m:sSubPr>
                           <m:ctrlPr>
-                            <a:rPr lang="en-US" i="1"/>
+                            <a:rPr lang="en-US" i="1">
+                              <a:latin typeface="Cambria Math" panose="02040503050406030204" pitchFamily="18" charset="0"/>
+                            </a:rPr>
                           </m:ctrlPr>
                         </m:sSubPr>
                         <m:e>
                           <m:r>
-                            <a:rPr lang="en-US" i="1"/>
+                            <a:rPr lang="en-US" i="1">
+                              <a:latin typeface="Cambria Math" panose="02040503050406030204" pitchFamily="18" charset="0"/>
+                            </a:rPr>
                             <m:t>𝐿</m:t>
                           </m:r>
                         </m:e>
                         <m:sub>
                           <m:r>
-                            <a:rPr lang="en-US" i="1"/>
+                            <a:rPr lang="en-US" i="1">
+                              <a:latin typeface="Cambria Math" panose="02040503050406030204" pitchFamily="18" charset="0"/>
+                            </a:rPr>
                             <m:t>𝑟</m:t>
                           </m:r>
                         </m:sub>
@@ -3799,41 +3985,55 @@
                       <m:sSub>
                         <m:sSubPr>
                           <m:ctrlPr>
-                            <a:rPr lang="en-US" i="1"/>
+                            <a:rPr lang="en-US" i="1">
+                              <a:latin typeface="Cambria Math" panose="02040503050406030204" pitchFamily="18" charset="0"/>
+                            </a:rPr>
                           </m:ctrlPr>
                         </m:sSubPr>
                         <m:e>
                           <m:r>
-                            <a:rPr lang="en-US" i="1"/>
+                            <a:rPr lang="en-US" i="1">
+                              <a:latin typeface="Cambria Math" panose="02040503050406030204" pitchFamily="18" charset="0"/>
+                            </a:rPr>
                             <m:t>𝑖</m:t>
                           </m:r>
                         </m:e>
                         <m:sub>
                           <m:r>
-                            <a:rPr lang="en-US" i="1"/>
+                            <a:rPr lang="en-US" i="1">
+                              <a:latin typeface="Cambria Math" panose="02040503050406030204" pitchFamily="18" charset="0"/>
+                            </a:rPr>
                             <m:t>𝑑𝑟</m:t>
                           </m:r>
                         </m:sub>
                       </m:sSub>
                       <m:r>
-                        <a:rPr lang="en-US" i="1"/>
+                        <a:rPr lang="en-US" i="1">
+                          <a:latin typeface="Cambria Math" panose="02040503050406030204" pitchFamily="18" charset="0"/>
+                        </a:rPr>
                         <m:t>+</m:t>
                       </m:r>
                       <m:sSub>
                         <m:sSubPr>
                           <m:ctrlPr>
-                            <a:rPr lang="en-US" i="1"/>
+                            <a:rPr lang="en-US" i="1">
+                              <a:latin typeface="Cambria Math" panose="02040503050406030204" pitchFamily="18" charset="0"/>
+                            </a:rPr>
                           </m:ctrlPr>
                         </m:sSubPr>
                         <m:e>
                           <m:r>
-                            <a:rPr lang="en-US" i="1"/>
+                            <a:rPr lang="en-US" i="1">
+                              <a:latin typeface="Cambria Math" panose="02040503050406030204" pitchFamily="18" charset="0"/>
+                            </a:rPr>
                             <m:t>𝐿</m:t>
                           </m:r>
                         </m:e>
                         <m:sub>
                           <m:r>
-                            <a:rPr lang="en-US" i="1"/>
+                            <a:rPr lang="en-US" i="1">
+                              <a:latin typeface="Cambria Math" panose="02040503050406030204" pitchFamily="18" charset="0"/>
+                            </a:rPr>
                             <m:t>𝑚</m:t>
                           </m:r>
                         </m:sub>
@@ -3841,45 +4041,61 @@
                       <m:sSub>
                         <m:sSubPr>
                           <m:ctrlPr>
-                            <a:rPr lang="en-US" i="1"/>
+                            <a:rPr lang="en-US" i="1">
+                              <a:latin typeface="Cambria Math" panose="02040503050406030204" pitchFamily="18" charset="0"/>
+                            </a:rPr>
                           </m:ctrlPr>
                         </m:sSubPr>
                         <m:e>
                           <m:r>
-                            <a:rPr lang="en-US" i="1"/>
+                            <a:rPr lang="en-US" i="1">
+                              <a:latin typeface="Cambria Math" panose="02040503050406030204" pitchFamily="18" charset="0"/>
+                            </a:rPr>
                             <m:t>𝑖</m:t>
                           </m:r>
                         </m:e>
                         <m:sub>
                           <m:r>
-                            <a:rPr lang="en-US" i="1"/>
+                            <a:rPr lang="en-US" i="1">
+                              <a:latin typeface="Cambria Math" panose="02040503050406030204" pitchFamily="18" charset="0"/>
+                            </a:rPr>
                             <m:t>𝑑𝑠</m:t>
                           </m:r>
                         </m:sub>
                       </m:sSub>
                       <m:r>
-                        <a:rPr lang="en-US" i="1"/>
+                        <a:rPr lang="en-US" i="1">
+                          <a:latin typeface="Cambria Math" panose="02040503050406030204" pitchFamily="18" charset="0"/>
+                        </a:rPr>
                         <m:t>= </m:t>
                       </m:r>
                       <m:r>
-                        <a:rPr lang="en-US" i="1"/>
+                        <a:rPr lang="en-US" i="1">
+                          <a:latin typeface="Cambria Math" panose="02040503050406030204" pitchFamily="18" charset="0"/>
+                        </a:rPr>
                         <m:t>𝜎</m:t>
                       </m:r>
                       <m:sSub>
                         <m:sSubPr>
                           <m:ctrlPr>
-                            <a:rPr lang="en-US" i="1"/>
+                            <a:rPr lang="en-US" i="1">
+                              <a:latin typeface="Cambria Math" panose="02040503050406030204" pitchFamily="18" charset="0"/>
+                            </a:rPr>
                           </m:ctrlPr>
                         </m:sSubPr>
                         <m:e>
                           <m:r>
-                            <a:rPr lang="en-US" i="1"/>
+                            <a:rPr lang="en-US" i="1">
+                              <a:latin typeface="Cambria Math" panose="02040503050406030204" pitchFamily="18" charset="0"/>
+                            </a:rPr>
                             <m:t>𝐿</m:t>
                           </m:r>
                         </m:e>
                         <m:sub>
                           <m:r>
-                            <a:rPr lang="en-US" i="1"/>
+                            <a:rPr lang="en-US" i="1">
+                              <a:latin typeface="Cambria Math" panose="02040503050406030204" pitchFamily="18" charset="0"/>
+                            </a:rPr>
                             <m:t>𝑟</m:t>
                           </m:r>
                         </m:sub>
@@ -3887,48 +4103,64 @@
                       <m:sSub>
                         <m:sSubPr>
                           <m:ctrlPr>
-                            <a:rPr lang="en-US" i="1"/>
+                            <a:rPr lang="en-US" i="1">
+                              <a:latin typeface="Cambria Math" panose="02040503050406030204" pitchFamily="18" charset="0"/>
+                            </a:rPr>
                           </m:ctrlPr>
                         </m:sSubPr>
                         <m:e>
                           <m:r>
-                            <a:rPr lang="en-US" i="1"/>
+                            <a:rPr lang="en-US" i="1">
+                              <a:latin typeface="Cambria Math" panose="02040503050406030204" pitchFamily="18" charset="0"/>
+                            </a:rPr>
                             <m:t>𝑖</m:t>
                           </m:r>
                         </m:e>
                         <m:sub>
                           <m:r>
-                            <a:rPr lang="en-US" i="1"/>
+                            <a:rPr lang="en-US" i="1">
+                              <a:latin typeface="Cambria Math" panose="02040503050406030204" pitchFamily="18" charset="0"/>
+                            </a:rPr>
                             <m:t>𝑑𝑟</m:t>
                           </m:r>
                         </m:sub>
                       </m:sSub>
                       <m:r>
-                        <a:rPr lang="en-US" i="1"/>
+                        <a:rPr lang="en-US" i="1">
+                          <a:latin typeface="Cambria Math" panose="02040503050406030204" pitchFamily="18" charset="0"/>
+                        </a:rPr>
                         <m:t>+</m:t>
                       </m:r>
                       <m:f>
                         <m:fPr>
                           <m:ctrlPr>
-                            <a:rPr lang="en-US" i="1"/>
+                            <a:rPr lang="en-US" i="1">
+                              <a:latin typeface="Cambria Math" panose="02040503050406030204" pitchFamily="18" charset="0"/>
+                            </a:rPr>
                           </m:ctrlPr>
                         </m:fPr>
                         <m:num>
                           <m:sSub>
                             <m:sSubPr>
                               <m:ctrlPr>
-                                <a:rPr lang="en-US" i="1"/>
+                                <a:rPr lang="en-US" i="1">
+                                  <a:latin typeface="Cambria Math" panose="02040503050406030204" pitchFamily="18" charset="0"/>
+                                </a:rPr>
                               </m:ctrlPr>
                             </m:sSubPr>
                             <m:e>
                               <m:r>
-                                <a:rPr lang="en-US" i="1"/>
+                                <a:rPr lang="en-US" i="1">
+                                  <a:latin typeface="Cambria Math" panose="02040503050406030204" pitchFamily="18" charset="0"/>
+                                </a:rPr>
                                 <m:t>𝐿</m:t>
                               </m:r>
                             </m:e>
                             <m:sub>
                               <m:r>
-                                <a:rPr lang="en-US" i="1"/>
+                                <a:rPr lang="en-US" i="1">
+                                  <a:latin typeface="Cambria Math" panose="02040503050406030204" pitchFamily="18" charset="0"/>
+                                </a:rPr>
                                 <m:t>𝑚</m:t>
                               </m:r>
                             </m:sub>
@@ -3938,18 +4170,24 @@
                           <m:sSub>
                             <m:sSubPr>
                               <m:ctrlPr>
-                                <a:rPr lang="en-US" i="1"/>
+                                <a:rPr lang="en-US" i="1">
+                                  <a:latin typeface="Cambria Math" panose="02040503050406030204" pitchFamily="18" charset="0"/>
+                                </a:rPr>
                               </m:ctrlPr>
                             </m:sSubPr>
                             <m:e>
                               <m:r>
-                                <a:rPr lang="en-US" i="1"/>
+                                <a:rPr lang="en-US" i="1">
+                                  <a:latin typeface="Cambria Math" panose="02040503050406030204" pitchFamily="18" charset="0"/>
+                                </a:rPr>
                                 <m:t>𝐿</m:t>
                               </m:r>
                             </m:e>
                             <m:sub>
                               <m:r>
-                                <a:rPr lang="en-US" i="1"/>
+                                <a:rPr lang="en-US" i="1">
+                                  <a:latin typeface="Cambria Math" panose="02040503050406030204" pitchFamily="18" charset="0"/>
+                                </a:rPr>
                                 <m:t>𝑠</m:t>
                               </m:r>
                             </m:sub>
@@ -3959,18 +4197,24 @@
                       <m:sSub>
                         <m:sSubPr>
                           <m:ctrlPr>
-                            <a:rPr lang="en-US" i="1"/>
+                            <a:rPr lang="en-US" i="1">
+                              <a:latin typeface="Cambria Math" panose="02040503050406030204" pitchFamily="18" charset="0"/>
+                            </a:rPr>
                           </m:ctrlPr>
                         </m:sSubPr>
                         <m:e>
                           <m:r>
-                            <a:rPr lang="en-US" i="1"/>
+                            <a:rPr lang="en-US" i="1">
+                              <a:latin typeface="Cambria Math" panose="02040503050406030204" pitchFamily="18" charset="0"/>
+                            </a:rPr>
                             <m:t>ѱ</m:t>
                           </m:r>
                         </m:e>
                         <m:sub>
                           <m:r>
-                            <a:rPr lang="en-US" i="1"/>
+                            <a:rPr lang="en-US" i="1">
+                              <a:latin typeface="Cambria Math" panose="02040503050406030204" pitchFamily="18" charset="0"/>
+                            </a:rPr>
                             <m:t>𝑑𝑠</m:t>
                           </m:r>
                         </m:sub>
@@ -3986,7 +4230,7 @@
             </p:txBody>
           </p:sp>
         </mc:Choice>
-        <mc:Fallback>
+        <mc:Fallback xmlns="">
           <p:sp>
             <p:nvSpPr>
               <p:cNvPr id="3" name="Content Placeholder 2"/>
@@ -4072,8 +4316,8 @@
           </a:p>
         </p:txBody>
       </p:sp>
-      <mc:AlternateContent xmlns:mc="http://schemas.openxmlformats.org/markup-compatibility/2006">
-        <mc:Choice xmlns:a14="http://schemas.microsoft.com/office/drawing/2010/main" Requires="a14">
+      <mc:AlternateContent xmlns:mc="http://schemas.openxmlformats.org/markup-compatibility/2006" xmlns:a14="http://schemas.microsoft.com/office/drawing/2010/main">
+        <mc:Choice Requires="a14">
           <p:sp>
             <p:nvSpPr>
               <p:cNvPr id="3" name="Content Placeholder 2"/>
@@ -4114,28 +4358,38 @@
                       <m:sSub>
                         <m:sSubPr>
                           <m:ctrlPr>
-                            <a:rPr lang="en-US" i="1"/>
+                            <a:rPr lang="en-US" i="1">
+                              <a:latin typeface="Cambria Math" panose="02040503050406030204" pitchFamily="18" charset="0"/>
+                            </a:rPr>
                           </m:ctrlPr>
                         </m:sSubPr>
                         <m:e>
                           <m:r>
-                            <a:rPr lang="en-US" i="1"/>
+                            <a:rPr lang="en-US" i="1">
+                              <a:latin typeface="Cambria Math" panose="02040503050406030204" pitchFamily="18" charset="0"/>
+                            </a:rPr>
                             <m:t>𝑃</m:t>
                           </m:r>
                         </m:e>
                         <m:sub>
                           <m:r>
-                            <a:rPr lang="en-US" i="1"/>
+                            <a:rPr lang="en-US" i="1">
+                              <a:latin typeface="Cambria Math" panose="02040503050406030204" pitchFamily="18" charset="0"/>
+                            </a:rPr>
                             <m:t>𝑏𝑎𝑠𝑒</m:t>
                           </m:r>
                         </m:sub>
                       </m:sSub>
                       <m:r>
-                        <a:rPr lang="en-US" i="1"/>
+                        <a:rPr lang="en-US" i="1">
+                          <a:latin typeface="Cambria Math" panose="02040503050406030204" pitchFamily="18" charset="0"/>
+                        </a:rPr>
                         <m:t>=2 </m:t>
                       </m:r>
                       <m:r>
-                        <a:rPr lang="en-US" i="1"/>
+                        <a:rPr lang="en-US" i="1">
+                          <a:latin typeface="Cambria Math" panose="02040503050406030204" pitchFamily="18" charset="0"/>
+                        </a:rPr>
                         <m:t>𝑀𝑊</m:t>
                       </m:r>
                     </m:oMath>
@@ -4163,49 +4417,67 @@
                       <m:sSub>
                         <m:sSubPr>
                           <m:ctrlPr>
-                            <a:rPr lang="en-US" i="1"/>
+                            <a:rPr lang="en-US" i="1">
+                              <a:latin typeface="Cambria Math" panose="02040503050406030204" pitchFamily="18" charset="0"/>
+                            </a:rPr>
                           </m:ctrlPr>
                         </m:sSubPr>
                         <m:e>
                           <m:r>
-                            <a:rPr lang="en-US" i="1"/>
+                            <a:rPr lang="en-US" i="1">
+                              <a:latin typeface="Cambria Math" panose="02040503050406030204" pitchFamily="18" charset="0"/>
+                            </a:rPr>
                             <m:t>𝑉</m:t>
                           </m:r>
                         </m:e>
                         <m:sub>
                           <m:r>
-                            <a:rPr lang="en-US" i="1"/>
+                            <a:rPr lang="en-US" i="1">
+                              <a:latin typeface="Cambria Math" panose="02040503050406030204" pitchFamily="18" charset="0"/>
+                            </a:rPr>
                             <m:t>𝑟𝑎𝑡𝑒𝑑</m:t>
                           </m:r>
                           <m:r>
-                            <a:rPr lang="en-US" i="1"/>
+                            <a:rPr lang="en-US" i="1">
+                              <a:latin typeface="Cambria Math" panose="02040503050406030204" pitchFamily="18" charset="0"/>
+                            </a:rPr>
                             <m:t>,</m:t>
                           </m:r>
                           <m:r>
-                            <a:rPr lang="en-US" i="1"/>
+                            <a:rPr lang="en-US" i="1">
+                              <a:latin typeface="Cambria Math" panose="02040503050406030204" pitchFamily="18" charset="0"/>
+                            </a:rPr>
                             <m:t>𝐿𝐿</m:t>
                           </m:r>
                         </m:sub>
                       </m:sSub>
                       <m:r>
-                        <a:rPr lang="en-US" i="1"/>
+                        <a:rPr lang="en-US" i="1">
+                          <a:latin typeface="Cambria Math" panose="02040503050406030204" pitchFamily="18" charset="0"/>
+                        </a:rPr>
                         <m:t>=690 </m:t>
                       </m:r>
                       <m:sSub>
                         <m:sSubPr>
                           <m:ctrlPr>
-                            <a:rPr lang="en-US" i="1"/>
+                            <a:rPr lang="en-US" i="1">
+                              <a:latin typeface="Cambria Math" panose="02040503050406030204" pitchFamily="18" charset="0"/>
+                            </a:rPr>
                           </m:ctrlPr>
                         </m:sSubPr>
                         <m:e>
                           <m:r>
-                            <a:rPr lang="en-US" i="1"/>
+                            <a:rPr lang="en-US" i="1">
+                              <a:latin typeface="Cambria Math" panose="02040503050406030204" pitchFamily="18" charset="0"/>
+                            </a:rPr>
                             <m:t>𝑉</m:t>
                           </m:r>
                         </m:e>
                         <m:sub>
                           <m:r>
-                            <a:rPr lang="en-US" i="1"/>
+                            <a:rPr lang="en-US" i="1">
+                              <a:latin typeface="Cambria Math" panose="02040503050406030204" pitchFamily="18" charset="0"/>
+                            </a:rPr>
                             <m:t>𝑟𝑚𝑠</m:t>
                           </m:r>
                         </m:sub>
@@ -4233,11 +4505,15 @@
                     </m:oMathParaPr>
                     <m:oMath xmlns:m="http://schemas.openxmlformats.org/officeDocument/2006/math">
                       <m:r>
-                        <a:rPr lang="en-US" i="1"/>
+                        <a:rPr lang="en-US" i="1">
+                          <a:latin typeface="Cambria Math" panose="02040503050406030204" pitchFamily="18" charset="0"/>
+                        </a:rPr>
                         <m:t>𝑃</m:t>
                       </m:r>
                       <m:r>
-                        <a:rPr lang="en-US" i="1"/>
+                        <a:rPr lang="en-US" i="1">
+                          <a:latin typeface="Cambria Math" panose="02040503050406030204" pitchFamily="18" charset="0"/>
+                        </a:rPr>
                         <m:t>=6</m:t>
                       </m:r>
                     </m:oMath>
@@ -4265,28 +4541,38 @@
                       <m:sSub>
                         <m:sSubPr>
                           <m:ctrlPr>
-                            <a:rPr lang="en-US" i="1"/>
+                            <a:rPr lang="en-US" i="1">
+                              <a:latin typeface="Cambria Math" panose="02040503050406030204" pitchFamily="18" charset="0"/>
+                            </a:rPr>
                           </m:ctrlPr>
                         </m:sSubPr>
                         <m:e>
                           <m:r>
-                            <a:rPr lang="en-US" i="1"/>
+                            <a:rPr lang="en-US" i="1">
+                              <a:latin typeface="Cambria Math" panose="02040503050406030204" pitchFamily="18" charset="0"/>
+                            </a:rPr>
                             <m:t>𝑓</m:t>
                           </m:r>
                         </m:e>
                         <m:sub>
                           <m:r>
-                            <a:rPr lang="en-US" i="1"/>
+                            <a:rPr lang="en-US" i="1">
+                              <a:latin typeface="Cambria Math" panose="02040503050406030204" pitchFamily="18" charset="0"/>
+                            </a:rPr>
                             <m:t>𝑒</m:t>
                           </m:r>
                         </m:sub>
                       </m:sSub>
                       <m:r>
-                        <a:rPr lang="en-US" i="1"/>
+                        <a:rPr lang="en-US" i="1">
+                          <a:latin typeface="Cambria Math" panose="02040503050406030204" pitchFamily="18" charset="0"/>
+                        </a:rPr>
                         <m:t>=60 </m:t>
                       </m:r>
                       <m:r>
-                        <a:rPr lang="en-US" i="1"/>
+                        <a:rPr lang="en-US" i="1">
+                          <a:latin typeface="Cambria Math" panose="02040503050406030204" pitchFamily="18" charset="0"/>
+                        </a:rPr>
                         <m:t>𝐻𝑧</m:t>
                       </m:r>
                     </m:oMath>
@@ -4314,40 +4600,56 @@
                       <m:sSub>
                         <m:sSubPr>
                           <m:ctrlPr>
-                            <a:rPr lang="en-US" i="1"/>
+                            <a:rPr lang="en-US" i="1">
+                              <a:latin typeface="Cambria Math" panose="02040503050406030204" pitchFamily="18" charset="0"/>
+                            </a:rPr>
                           </m:ctrlPr>
                         </m:sSubPr>
                         <m:e>
                           <m:r>
-                            <a:rPr lang="en-US" i="1"/>
+                            <a:rPr lang="en-US" i="1">
+                              <a:latin typeface="Cambria Math" panose="02040503050406030204" pitchFamily="18" charset="0"/>
+                            </a:rPr>
                             <m:t>𝑅</m:t>
                           </m:r>
                         </m:e>
                         <m:sub>
                           <m:r>
-                            <a:rPr lang="en-US" i="1"/>
+                            <a:rPr lang="en-US" i="1">
+                              <a:latin typeface="Cambria Math" panose="02040503050406030204" pitchFamily="18" charset="0"/>
+                            </a:rPr>
                             <m:t>𝑠</m:t>
                           </m:r>
                         </m:sub>
                       </m:sSub>
                       <m:r>
-                        <a:rPr lang="en-US" i="1"/>
+                        <a:rPr lang="en-US" i="1">
+                          <a:latin typeface="Cambria Math" panose="02040503050406030204" pitchFamily="18" charset="0"/>
+                        </a:rPr>
                         <m:t>=0.00488 </m:t>
                       </m:r>
                       <m:r>
-                        <a:rPr lang="en-US" i="1"/>
+                        <a:rPr lang="en-US" i="1">
+                          <a:latin typeface="Cambria Math" panose="02040503050406030204" pitchFamily="18" charset="0"/>
+                        </a:rPr>
                         <m:t>𝑝</m:t>
                       </m:r>
                       <m:r>
-                        <a:rPr lang="en-US" i="1"/>
+                        <a:rPr lang="en-US" i="1">
+                          <a:latin typeface="Cambria Math" panose="02040503050406030204" pitchFamily="18" charset="0"/>
+                        </a:rPr>
                         <m:t>.</m:t>
                       </m:r>
                       <m:r>
-                        <a:rPr lang="en-US" i="1"/>
+                        <a:rPr lang="en-US" i="1">
+                          <a:latin typeface="Cambria Math" panose="02040503050406030204" pitchFamily="18" charset="0"/>
+                        </a:rPr>
                         <m:t>𝑢</m:t>
                       </m:r>
                       <m:r>
-                        <a:rPr lang="en-US" i="1"/>
+                        <a:rPr lang="en-US" i="1">
+                          <a:latin typeface="Cambria Math" panose="02040503050406030204" pitchFamily="18" charset="0"/>
+                        </a:rPr>
                         <m:t>.</m:t>
                       </m:r>
                     </m:oMath>
@@ -4375,40 +4677,56 @@
                       <m:sSub>
                         <m:sSubPr>
                           <m:ctrlPr>
-                            <a:rPr lang="en-US" i="1"/>
+                            <a:rPr lang="en-US" i="1">
+                              <a:latin typeface="Cambria Math" panose="02040503050406030204" pitchFamily="18" charset="0"/>
+                            </a:rPr>
                           </m:ctrlPr>
                         </m:sSubPr>
                         <m:e>
                           <m:r>
-                            <a:rPr lang="en-US" i="1"/>
+                            <a:rPr lang="en-US" i="1">
+                              <a:latin typeface="Cambria Math" panose="02040503050406030204" pitchFamily="18" charset="0"/>
+                            </a:rPr>
                             <m:t>𝑅</m:t>
                           </m:r>
                         </m:e>
                         <m:sub>
                           <m:r>
-                            <a:rPr lang="en-US" i="1"/>
+                            <a:rPr lang="en-US" i="1">
+                              <a:latin typeface="Cambria Math" panose="02040503050406030204" pitchFamily="18" charset="0"/>
+                            </a:rPr>
                             <m:t>𝑟</m:t>
                           </m:r>
                         </m:sub>
                       </m:sSub>
                       <m:r>
-                        <a:rPr lang="en-US" i="1"/>
+                        <a:rPr lang="en-US" i="1">
+                          <a:latin typeface="Cambria Math" panose="02040503050406030204" pitchFamily="18" charset="0"/>
+                        </a:rPr>
                         <m:t>=0.00549 </m:t>
                       </m:r>
                       <m:r>
-                        <a:rPr lang="en-US" i="1"/>
+                        <a:rPr lang="en-US" i="1">
+                          <a:latin typeface="Cambria Math" panose="02040503050406030204" pitchFamily="18" charset="0"/>
+                        </a:rPr>
                         <m:t>𝑝</m:t>
                       </m:r>
                       <m:r>
-                        <a:rPr lang="en-US" i="1"/>
+                        <a:rPr lang="en-US" i="1">
+                          <a:latin typeface="Cambria Math" panose="02040503050406030204" pitchFamily="18" charset="0"/>
+                        </a:rPr>
                         <m:t>.</m:t>
                       </m:r>
                       <m:r>
-                        <a:rPr lang="en-US" i="1"/>
+                        <a:rPr lang="en-US" i="1">
+                          <a:latin typeface="Cambria Math" panose="02040503050406030204" pitchFamily="18" charset="0"/>
+                        </a:rPr>
                         <m:t>𝑢</m:t>
                       </m:r>
                       <m:r>
-                        <a:rPr lang="en-US" i="1"/>
+                        <a:rPr lang="en-US" i="1">
+                          <a:latin typeface="Cambria Math" panose="02040503050406030204" pitchFamily="18" charset="0"/>
+                        </a:rPr>
                         <m:t>.</m:t>
                       </m:r>
                     </m:oMath>
@@ -4502,7 +4820,7 @@
             </p:txBody>
           </p:sp>
         </mc:Choice>
-        <mc:Fallback>
+        <mc:Fallback xmlns="">
           <p:sp>
             <p:nvSpPr>
               <p:cNvPr id="3" name="Content Placeholder 2"/>
@@ -4536,8 +4854,8 @@
           </p:sp>
         </mc:Fallback>
       </mc:AlternateContent>
-      <mc:AlternateContent xmlns:mc="http://schemas.openxmlformats.org/markup-compatibility/2006">
-        <mc:Choice xmlns:a14="http://schemas.microsoft.com/office/drawing/2010/main" Requires="a14">
+      <mc:AlternateContent xmlns:mc="http://schemas.openxmlformats.org/markup-compatibility/2006" xmlns:a14="http://schemas.microsoft.com/office/drawing/2010/main">
+        <mc:Choice Requires="a14">
           <p:sp>
             <p:nvSpPr>
               <p:cNvPr id="4" name="Content Placeholder 3"/>
@@ -5272,7 +5590,7 @@
             </p:txBody>
           </p:sp>
         </mc:Choice>
-        <mc:Fallback>
+        <mc:Fallback xmlns="">
           <p:sp>
             <p:nvSpPr>
               <p:cNvPr id="4" name="Content Placeholder 3"/>
@@ -5585,18 +5903,14 @@
             </a:r>
             <a:r>
               <a:rPr lang="en-US" dirty="0" smtClean="0"/>
-              <a:t>Positive Sequence </a:t>
-            </a:r>
-            <a:r>
-              <a:rPr lang="en-US" dirty="0" smtClean="0"/>
-              <a:t>Controller</a:t>
+              <a:t>Positive Sequence Controller</a:t>
             </a:r>
             <a:endParaRPr lang="en-US" dirty="0"/>
           </a:p>
         </p:txBody>
       </p:sp>
-      <mc:AlternateContent xmlns:mc="http://schemas.openxmlformats.org/markup-compatibility/2006">
-        <mc:Choice xmlns:a14="http://schemas.microsoft.com/office/drawing/2010/main" Requires="a14">
+      <mc:AlternateContent xmlns:mc="http://schemas.openxmlformats.org/markup-compatibility/2006" xmlns:a14="http://schemas.microsoft.com/office/drawing/2010/main">
+        <mc:Choice Requires="a14">
           <p:sp>
             <p:nvSpPr>
               <p:cNvPr id="3" name="Content Placeholder 2"/>
@@ -6198,7 +6512,6 @@
                 <a:endParaRPr lang="en-US" dirty="0" smtClean="0"/>
               </a:p>
               <a:p>
-                <a:pPr/>
                 <a:r>
                   <a:rPr lang="en-US" dirty="0" smtClean="0"/>
                   <a:t>The rotor voltages are used to design Positive Sequence RSC controller.</a:t>
@@ -7216,7 +7529,7 @@
             </p:txBody>
           </p:sp>
         </mc:Choice>
-        <mc:Fallback>
+        <mc:Fallback xmlns="">
           <p:sp>
             <p:nvSpPr>
               <p:cNvPr id="3" name="Content Placeholder 2"/>
@@ -7560,8 +7873,8 @@
           </a:p>
         </p:txBody>
       </p:sp>
-      <mc:AlternateContent xmlns:mc="http://schemas.openxmlformats.org/markup-compatibility/2006">
-        <mc:Choice xmlns:a14="http://schemas.microsoft.com/office/drawing/2010/main" Requires="a14">
+      <mc:AlternateContent xmlns:mc="http://schemas.openxmlformats.org/markup-compatibility/2006" xmlns:a14="http://schemas.microsoft.com/office/drawing/2010/main">
+        <mc:Choice Requires="a14">
           <p:sp>
             <p:nvSpPr>
               <p:cNvPr id="3" name="Content Placeholder 2"/>
@@ -8365,13 +8678,7 @@
                             <a:rPr lang="en-US" i="1">
                               <a:latin typeface="Cambria Math" panose="02040503050406030204" pitchFamily="18" charset="0"/>
                             </a:rPr>
-                            <m:t>𝑞</m:t>
-                          </m:r>
-                          <m:r>
-                            <a:rPr lang="en-US" i="1">
-                              <a:latin typeface="Cambria Math" panose="02040503050406030204" pitchFamily="18" charset="0"/>
-                            </a:rPr>
-                            <m:t>𝑟</m:t>
+                            <m:t>𝑞𝑟</m:t>
                           </m:r>
                         </m:sub>
                         <m:sup>
@@ -8525,13 +8832,7 @@
                             <a:rPr lang="en-US" i="1">
                               <a:latin typeface="Cambria Math" panose="02040503050406030204" pitchFamily="18" charset="0"/>
                             </a:rPr>
-                            <m:t>𝑞</m:t>
-                          </m:r>
-                          <m:r>
-                            <a:rPr lang="en-US" i="1">
-                              <a:latin typeface="Cambria Math" panose="02040503050406030204" pitchFamily="18" charset="0"/>
-                            </a:rPr>
-                            <m:t>𝑟</m:t>
+                            <m:t>𝑞𝑟</m:t>
                           </m:r>
                         </m:sub>
                         <m:sup>
@@ -9021,11 +9322,7 @@
               <a:p>
                 <a:r>
                   <a:rPr lang="en-US" dirty="0" smtClean="0"/>
-                  <a:t>RSC </a:t>
-                </a:r>
-                <a:r>
-                  <a:rPr lang="en-US" dirty="0" smtClean="0"/>
-                  <a:t>must make </a:t>
+                  <a:t>RSC must make </a:t>
                 </a:r>
                 <a14:m>
                   <m:oMath xmlns:m="http://schemas.openxmlformats.org/officeDocument/2006/math">
@@ -9202,7 +9499,7 @@
             </p:txBody>
           </p:sp>
         </mc:Choice>
-        <mc:Fallback>
+        <mc:Fallback xmlns="">
           <p:sp>
             <p:nvSpPr>
               <p:cNvPr id="3" name="Content Placeholder 2"/>
@@ -9308,7 +9605,15 @@
           <a:p>
             <a:r>
               <a:rPr lang="en-US" dirty="0"/>
-              <a:t>Stator Voltage Unbalance </a:t>
+              <a:t>Stator </a:t>
+            </a:r>
+            <a:r>
+              <a:rPr lang="en-US"/>
+              <a:t>Voltage </a:t>
+            </a:r>
+            <a:r>
+              <a:rPr lang="en-US" smtClean="0"/>
+              <a:t>Imbalance </a:t>
             </a:r>
             <a:r>
               <a:rPr lang="en-US" dirty="0" smtClean="0"/>
@@ -10037,8 +10342,8 @@
           </a:p>
         </p:txBody>
       </p:sp>
-      <mc:AlternateContent xmlns:mc="http://schemas.openxmlformats.org/markup-compatibility/2006">
-        <mc:Choice xmlns:a14="http://schemas.microsoft.com/office/drawing/2010/main" Requires="a14">
+      <mc:AlternateContent xmlns:mc="http://schemas.openxmlformats.org/markup-compatibility/2006" xmlns:a14="http://schemas.microsoft.com/office/drawing/2010/main">
+        <mc:Choice Requires="a14">
           <p:sp>
             <p:nvSpPr>
               <p:cNvPr id="3" name="Content Placeholder 2"/>
@@ -10630,7 +10935,6 @@
                   <a:rPr lang="en-US" dirty="0" smtClean="0"/>
                   <a:t>voltage as well</a:t>
                 </a:r>
-                <a:endParaRPr lang="en-US" dirty="0" smtClean="0"/>
               </a:p>
               <a:p>
                 <a:pPr marL="0" indent="0">
@@ -10921,41 +11225,55 @@
                       <m:sSub>
                         <m:sSubPr>
                           <m:ctrlPr>
-                            <a:rPr lang="en-US" i="1"/>
+                            <a:rPr lang="en-US" i="1">
+                              <a:latin typeface="Cambria Math" panose="02040503050406030204" pitchFamily="18" charset="0"/>
+                            </a:rPr>
                           </m:ctrlPr>
                         </m:sSubPr>
                         <m:e>
                           <m:r>
-                            <a:rPr lang="en-US" i="1"/>
+                            <a:rPr lang="en-US" i="1">
+                              <a:latin typeface="Cambria Math" panose="02040503050406030204" pitchFamily="18" charset="0"/>
+                            </a:rPr>
                             <m:t>𝑣</m:t>
                           </m:r>
                         </m:e>
                         <m:sub>
                           <m:r>
-                            <a:rPr lang="en-US" i="1"/>
+                            <a:rPr lang="en-US" i="1">
+                              <a:latin typeface="Cambria Math" panose="02040503050406030204" pitchFamily="18" charset="0"/>
+                            </a:rPr>
                             <m:t>𝑞𝑔</m:t>
                           </m:r>
                         </m:sub>
                       </m:sSub>
                       <m:r>
-                        <a:rPr lang="en-US" i="1"/>
+                        <a:rPr lang="en-US" i="1">
+                          <a:latin typeface="Cambria Math" panose="02040503050406030204" pitchFamily="18" charset="0"/>
+                        </a:rPr>
                         <m:t>=</m:t>
                       </m:r>
                       <m:sSub>
                         <m:sSubPr>
                           <m:ctrlPr>
-                            <a:rPr lang="en-US" i="1"/>
+                            <a:rPr lang="en-US" i="1">
+                              <a:latin typeface="Cambria Math" panose="02040503050406030204" pitchFamily="18" charset="0"/>
+                            </a:rPr>
                           </m:ctrlPr>
                         </m:sSubPr>
                         <m:e>
                           <m:r>
-                            <a:rPr lang="en-US" i="1"/>
+                            <a:rPr lang="en-US" i="1">
+                              <a:latin typeface="Cambria Math" panose="02040503050406030204" pitchFamily="18" charset="0"/>
+                            </a:rPr>
                             <m:t>𝐿</m:t>
                           </m:r>
                         </m:e>
                         <m:sub>
                           <m:r>
-                            <a:rPr lang="en-US" i="1"/>
+                            <a:rPr lang="en-US" i="1">
+                              <a:latin typeface="Cambria Math" panose="02040503050406030204" pitchFamily="18" charset="0"/>
+                            </a:rPr>
                             <m:t>𝑔</m:t>
                           </m:r>
                         </m:sub>
@@ -10963,29 +11281,39 @@
                       <m:f>
                         <m:fPr>
                           <m:ctrlPr>
-                            <a:rPr lang="en-US" i="1"/>
+                            <a:rPr lang="en-US" i="1">
+                              <a:latin typeface="Cambria Math" panose="02040503050406030204" pitchFamily="18" charset="0"/>
+                            </a:rPr>
                           </m:ctrlPr>
                         </m:fPr>
                         <m:num>
                           <m:r>
-                            <a:rPr lang="en-US" i="1"/>
+                            <a:rPr lang="en-US" i="1">
+                              <a:latin typeface="Cambria Math" panose="02040503050406030204" pitchFamily="18" charset="0"/>
+                            </a:rPr>
                             <m:t>𝑑</m:t>
                           </m:r>
                           <m:sSub>
                             <m:sSubPr>
                               <m:ctrlPr>
-                                <a:rPr lang="en-US" i="1"/>
+                                <a:rPr lang="en-US" i="1">
+                                  <a:latin typeface="Cambria Math" panose="02040503050406030204" pitchFamily="18" charset="0"/>
+                                </a:rPr>
                               </m:ctrlPr>
                             </m:sSubPr>
                             <m:e>
                               <m:r>
-                                <a:rPr lang="en-US" i="1"/>
+                                <a:rPr lang="en-US" i="1">
+                                  <a:latin typeface="Cambria Math" panose="02040503050406030204" pitchFamily="18" charset="0"/>
+                                </a:rPr>
                                 <m:t>𝑖</m:t>
                               </m:r>
                             </m:e>
                             <m:sub>
                               <m:r>
-                                <a:rPr lang="en-US" i="1"/>
+                                <a:rPr lang="en-US" i="1">
+                                  <a:latin typeface="Cambria Math" panose="02040503050406030204" pitchFamily="18" charset="0"/>
+                                </a:rPr>
                                 <m:t>𝑞𝑔</m:t>
                               </m:r>
                             </m:sub>
@@ -10993,34 +11321,46 @@
                         </m:num>
                         <m:den>
                           <m:r>
-                            <a:rPr lang="en-US" i="1"/>
+                            <a:rPr lang="en-US" i="1">
+                              <a:latin typeface="Cambria Math" panose="02040503050406030204" pitchFamily="18" charset="0"/>
+                            </a:rPr>
                             <m:t>𝑑𝑡</m:t>
                           </m:r>
                         </m:den>
                       </m:f>
                       <m:r>
-                        <a:rPr lang="en-US" i="1"/>
+                        <a:rPr lang="en-US" i="1">
+                          <a:latin typeface="Cambria Math" panose="02040503050406030204" pitchFamily="18" charset="0"/>
+                        </a:rPr>
                         <m:t>+</m:t>
                       </m:r>
                       <m:r>
-                        <a:rPr lang="en-US" i="1"/>
+                        <a:rPr lang="en-US" i="1">
+                          <a:latin typeface="Cambria Math" panose="02040503050406030204" pitchFamily="18" charset="0"/>
+                        </a:rPr>
                         <m:t>𝜔</m:t>
                       </m:r>
                       <m:sSub>
                         <m:sSubPr>
                           <m:ctrlPr>
-                            <a:rPr lang="en-US" i="1"/>
+                            <a:rPr lang="en-US" i="1">
+                              <a:latin typeface="Cambria Math" panose="02040503050406030204" pitchFamily="18" charset="0"/>
+                            </a:rPr>
                           </m:ctrlPr>
                         </m:sSubPr>
                         <m:e>
                           <m:r>
-                            <a:rPr lang="en-US" i="1"/>
+                            <a:rPr lang="en-US" i="1">
+                              <a:latin typeface="Cambria Math" panose="02040503050406030204" pitchFamily="18" charset="0"/>
+                            </a:rPr>
                             <m:t>𝐿</m:t>
                           </m:r>
                         </m:e>
                         <m:sub>
                           <m:r>
-                            <a:rPr lang="en-US" i="1"/>
+                            <a:rPr lang="en-US" i="1">
+                              <a:latin typeface="Cambria Math" panose="02040503050406030204" pitchFamily="18" charset="0"/>
+                            </a:rPr>
                             <m:t>𝑔</m:t>
                           </m:r>
                         </m:sub>
@@ -11028,41 +11368,55 @@
                       <m:sSub>
                         <m:sSubPr>
                           <m:ctrlPr>
-                            <a:rPr lang="en-US" i="1"/>
+                            <a:rPr lang="en-US" i="1">
+                              <a:latin typeface="Cambria Math" panose="02040503050406030204" pitchFamily="18" charset="0"/>
+                            </a:rPr>
                           </m:ctrlPr>
                         </m:sSubPr>
                         <m:e>
                           <m:r>
-                            <a:rPr lang="en-US" i="1"/>
+                            <a:rPr lang="en-US" i="1">
+                              <a:latin typeface="Cambria Math" panose="02040503050406030204" pitchFamily="18" charset="0"/>
+                            </a:rPr>
                             <m:t>𝑖</m:t>
                           </m:r>
                         </m:e>
                         <m:sub>
                           <m:r>
-                            <a:rPr lang="en-US" i="1"/>
+                            <a:rPr lang="en-US" i="1">
+                              <a:latin typeface="Cambria Math" panose="02040503050406030204" pitchFamily="18" charset="0"/>
+                            </a:rPr>
                             <m:t>𝑑𝑔</m:t>
                           </m:r>
                         </m:sub>
                       </m:sSub>
                       <m:r>
-                        <a:rPr lang="en-US" i="1"/>
+                        <a:rPr lang="en-US" i="1">
+                          <a:latin typeface="Cambria Math" panose="02040503050406030204" pitchFamily="18" charset="0"/>
+                        </a:rPr>
                         <m:t>+</m:t>
                       </m:r>
                       <m:sSub>
                         <m:sSubPr>
                           <m:ctrlPr>
-                            <a:rPr lang="en-US" i="1"/>
+                            <a:rPr lang="en-US" i="1">
+                              <a:latin typeface="Cambria Math" panose="02040503050406030204" pitchFamily="18" charset="0"/>
+                            </a:rPr>
                           </m:ctrlPr>
                         </m:sSubPr>
                         <m:e>
                           <m:r>
-                            <a:rPr lang="en-US" i="1"/>
+                            <a:rPr lang="en-US" i="1">
+                              <a:latin typeface="Cambria Math" panose="02040503050406030204" pitchFamily="18" charset="0"/>
+                            </a:rPr>
                             <m:t>𝑣</m:t>
                           </m:r>
                         </m:e>
                         <m:sub>
                           <m:r>
-                            <a:rPr lang="en-US" i="1"/>
+                            <a:rPr lang="en-US" i="1">
+                              <a:latin typeface="Cambria Math" panose="02040503050406030204" pitchFamily="18" charset="0"/>
+                            </a:rPr>
                             <m:t>𝑞𝑠</m:t>
                           </m:r>
                         </m:sub>
@@ -11085,41 +11439,55 @@
                       <m:sSub>
                         <m:sSubPr>
                           <m:ctrlPr>
-                            <a:rPr lang="en-US" i="1"/>
+                            <a:rPr lang="en-US" i="1">
+                              <a:latin typeface="Cambria Math" panose="02040503050406030204" pitchFamily="18" charset="0"/>
+                            </a:rPr>
                           </m:ctrlPr>
                         </m:sSubPr>
                         <m:e>
                           <m:r>
-                            <a:rPr lang="en-US" i="1"/>
+                            <a:rPr lang="en-US" i="1">
+                              <a:latin typeface="Cambria Math" panose="02040503050406030204" pitchFamily="18" charset="0"/>
+                            </a:rPr>
                             <m:t>𝑣</m:t>
                           </m:r>
                         </m:e>
                         <m:sub>
                           <m:r>
-                            <a:rPr lang="en-US" i="1"/>
+                            <a:rPr lang="en-US" i="1">
+                              <a:latin typeface="Cambria Math" panose="02040503050406030204" pitchFamily="18" charset="0"/>
+                            </a:rPr>
                             <m:t>𝑑𝑔</m:t>
                           </m:r>
                         </m:sub>
                       </m:sSub>
                       <m:r>
-                        <a:rPr lang="en-US" i="1"/>
+                        <a:rPr lang="en-US" i="1">
+                          <a:latin typeface="Cambria Math" panose="02040503050406030204" pitchFamily="18" charset="0"/>
+                        </a:rPr>
                         <m:t>=</m:t>
                       </m:r>
                       <m:sSub>
                         <m:sSubPr>
                           <m:ctrlPr>
-                            <a:rPr lang="en-US" i="1"/>
+                            <a:rPr lang="en-US" i="1">
+                              <a:latin typeface="Cambria Math" panose="02040503050406030204" pitchFamily="18" charset="0"/>
+                            </a:rPr>
                           </m:ctrlPr>
                         </m:sSubPr>
                         <m:e>
                           <m:r>
-                            <a:rPr lang="en-US" i="1"/>
+                            <a:rPr lang="en-US" i="1">
+                              <a:latin typeface="Cambria Math" panose="02040503050406030204" pitchFamily="18" charset="0"/>
+                            </a:rPr>
                             <m:t>𝐿</m:t>
                           </m:r>
                         </m:e>
                         <m:sub>
                           <m:r>
-                            <a:rPr lang="en-US" i="1"/>
+                            <a:rPr lang="en-US" i="1">
+                              <a:latin typeface="Cambria Math" panose="02040503050406030204" pitchFamily="18" charset="0"/>
+                            </a:rPr>
                             <m:t>𝑔</m:t>
                           </m:r>
                         </m:sub>
@@ -11127,29 +11495,39 @@
                       <m:f>
                         <m:fPr>
                           <m:ctrlPr>
-                            <a:rPr lang="en-US" i="1"/>
+                            <a:rPr lang="en-US" i="1">
+                              <a:latin typeface="Cambria Math" panose="02040503050406030204" pitchFamily="18" charset="0"/>
+                            </a:rPr>
                           </m:ctrlPr>
                         </m:fPr>
                         <m:num>
                           <m:r>
-                            <a:rPr lang="en-US" i="1"/>
+                            <a:rPr lang="en-US" i="1">
+                              <a:latin typeface="Cambria Math" panose="02040503050406030204" pitchFamily="18" charset="0"/>
+                            </a:rPr>
                             <m:t>𝑑</m:t>
                           </m:r>
                           <m:sSub>
                             <m:sSubPr>
                               <m:ctrlPr>
-                                <a:rPr lang="en-US" i="1"/>
+                                <a:rPr lang="en-US" i="1">
+                                  <a:latin typeface="Cambria Math" panose="02040503050406030204" pitchFamily="18" charset="0"/>
+                                </a:rPr>
                               </m:ctrlPr>
                             </m:sSubPr>
                             <m:e>
                               <m:r>
-                                <a:rPr lang="en-US" i="1"/>
+                                <a:rPr lang="en-US" i="1">
+                                  <a:latin typeface="Cambria Math" panose="02040503050406030204" pitchFamily="18" charset="0"/>
+                                </a:rPr>
                                 <m:t>𝑖</m:t>
                               </m:r>
                             </m:e>
                             <m:sub>
                               <m:r>
-                                <a:rPr lang="en-US" i="1"/>
+                                <a:rPr lang="en-US" i="1">
+                                  <a:latin typeface="Cambria Math" panose="02040503050406030204" pitchFamily="18" charset="0"/>
+                                </a:rPr>
                                 <m:t>𝑑𝑔</m:t>
                               </m:r>
                             </m:sub>
@@ -11157,34 +11535,46 @@
                         </m:num>
                         <m:den>
                           <m:r>
-                            <a:rPr lang="en-US" i="1"/>
+                            <a:rPr lang="en-US" i="1">
+                              <a:latin typeface="Cambria Math" panose="02040503050406030204" pitchFamily="18" charset="0"/>
+                            </a:rPr>
                             <m:t>𝑑𝑡</m:t>
                           </m:r>
                         </m:den>
                       </m:f>
                       <m:r>
-                        <a:rPr lang="en-US" i="1"/>
+                        <a:rPr lang="en-US" i="1">
+                          <a:latin typeface="Cambria Math" panose="02040503050406030204" pitchFamily="18" charset="0"/>
+                        </a:rPr>
                         <m:t>−</m:t>
                       </m:r>
                       <m:r>
-                        <a:rPr lang="en-US" i="1"/>
+                        <a:rPr lang="en-US" i="1">
+                          <a:latin typeface="Cambria Math" panose="02040503050406030204" pitchFamily="18" charset="0"/>
+                        </a:rPr>
                         <m:t>𝜔</m:t>
                       </m:r>
                       <m:sSub>
                         <m:sSubPr>
                           <m:ctrlPr>
-                            <a:rPr lang="en-US" i="1"/>
+                            <a:rPr lang="en-US" i="1">
+                              <a:latin typeface="Cambria Math" panose="02040503050406030204" pitchFamily="18" charset="0"/>
+                            </a:rPr>
                           </m:ctrlPr>
                         </m:sSubPr>
                         <m:e>
                           <m:r>
-                            <a:rPr lang="en-US" i="1"/>
+                            <a:rPr lang="en-US" i="1">
+                              <a:latin typeface="Cambria Math" panose="02040503050406030204" pitchFamily="18" charset="0"/>
+                            </a:rPr>
                             <m:t>𝐿</m:t>
                           </m:r>
                         </m:e>
                         <m:sub>
                           <m:r>
-                            <a:rPr lang="en-US" i="1"/>
+                            <a:rPr lang="en-US" i="1">
+                              <a:latin typeface="Cambria Math" panose="02040503050406030204" pitchFamily="18" charset="0"/>
+                            </a:rPr>
                             <m:t>𝑔</m:t>
                           </m:r>
                         </m:sub>
@@ -11192,18 +11582,24 @@
                       <m:sSub>
                         <m:sSubPr>
                           <m:ctrlPr>
-                            <a:rPr lang="en-US" i="1"/>
+                            <a:rPr lang="en-US" i="1">
+                              <a:latin typeface="Cambria Math" panose="02040503050406030204" pitchFamily="18" charset="0"/>
+                            </a:rPr>
                           </m:ctrlPr>
                         </m:sSubPr>
                         <m:e>
                           <m:r>
-                            <a:rPr lang="en-US" i="1"/>
+                            <a:rPr lang="en-US" i="1">
+                              <a:latin typeface="Cambria Math" panose="02040503050406030204" pitchFamily="18" charset="0"/>
+                            </a:rPr>
                             <m:t>𝑖</m:t>
                           </m:r>
                         </m:e>
                         <m:sub>
                           <m:r>
-                            <a:rPr lang="en-US" i="1"/>
+                            <a:rPr lang="en-US" i="1">
+                              <a:latin typeface="Cambria Math" panose="02040503050406030204" pitchFamily="18" charset="0"/>
+                            </a:rPr>
                             <m:t>𝑞𝑔</m:t>
                           </m:r>
                         </m:sub>
@@ -11222,7 +11618,7 @@
             </p:txBody>
           </p:sp>
         </mc:Choice>
-        <mc:Fallback>
+        <mc:Fallback xmlns="">
           <p:sp>
             <p:nvSpPr>
               <p:cNvPr id="3" name="Content Placeholder 2"/>
@@ -11474,15 +11870,7 @@
           <a:p>
             <a:r>
               <a:rPr lang="en-US" dirty="0" smtClean="0"/>
-              <a:t>Negative </a:t>
-            </a:r>
-            <a:r>
-              <a:rPr lang="en-US" dirty="0" smtClean="0"/>
-              <a:t>Sequence </a:t>
-            </a:r>
-            <a:r>
-              <a:rPr lang="en-US" dirty="0" smtClean="0"/>
-              <a:t>dq- Components </a:t>
+              <a:t>Negative Sequence dq- Components </a:t>
             </a:r>
             <a:endParaRPr lang="en-US" dirty="0"/>
           </a:p>
@@ -11519,8 +11907,8 @@
           </a:ln>
         </p:spPr>
       </p:pic>
-      <mc:AlternateContent xmlns:mc="http://schemas.openxmlformats.org/markup-compatibility/2006">
-        <mc:Choice xmlns:a14="http://schemas.microsoft.com/office/drawing/2010/main" Requires="a14">
+      <mc:AlternateContent xmlns:mc="http://schemas.openxmlformats.org/markup-compatibility/2006" xmlns:a14="http://schemas.microsoft.com/office/drawing/2010/main">
+        <mc:Choice Requires="a14">
           <p:sp>
             <p:nvSpPr>
               <p:cNvPr id="6" name="TextBox 5"/>
@@ -11553,11 +11941,7 @@
                 </a:r>
                 <a:r>
                   <a:rPr lang="en-US" sz="2800" dirty="0" smtClean="0"/>
-                  <a:t>rotate at </a:t>
-                </a:r>
-                <a:r>
-                  <a:rPr lang="en-US" sz="2800" dirty="0" smtClean="0"/>
-                  <a:t>   -</a:t>
+                  <a:t>rotate at    -</a:t>
                 </a:r>
                 <a14:m>
                   <m:oMath xmlns:m="http://schemas.openxmlformats.org/officeDocument/2006/math">
@@ -11591,15 +11975,7 @@
                 </a14:m>
                 <a:r>
                   <a:rPr lang="en-US" sz="2800" dirty="0" smtClean="0"/>
-                  <a:t> in dq- </a:t>
-                </a:r>
-                <a:r>
-                  <a:rPr lang="en-US" sz="2800" dirty="0" smtClean="0"/>
-                  <a:t>synchronously rotating reference frame. They </a:t>
-                </a:r>
-                <a:r>
-                  <a:rPr lang="en-US" sz="2800" dirty="0" smtClean="0"/>
-                  <a:t>are extracted </a:t>
+                  <a:t> in dq- synchronously rotating reference frame. They are extracted </a:t>
                 </a:r>
                 <a:r>
                   <a:rPr lang="en-US" sz="2800" dirty="0"/>
@@ -11630,6 +12006,7 @@
                 <a:endParaRPr lang="en-US" sz="2800" dirty="0" smtClean="0"/>
               </a:p>
               <a:p>
+                <a:pPr/>
                 <a14:m>
                   <m:oMathPara xmlns:m="http://schemas.openxmlformats.org/officeDocument/2006/math">
                     <m:oMathParaPr>
@@ -11868,7 +12245,7 @@
             </p:txBody>
           </p:sp>
         </mc:Choice>
-        <mc:Fallback>
+        <mc:Fallback xmlns="">
           <p:sp>
             <p:nvSpPr>
               <p:cNvPr id="6" name="TextBox 5"/>
@@ -12058,8 +12435,8 @@
           </a:p>
         </p:txBody>
       </p:sp>
-      <mc:AlternateContent xmlns:mc="http://schemas.openxmlformats.org/markup-compatibility/2006">
-        <mc:Choice xmlns:a14="http://schemas.microsoft.com/office/drawing/2010/main" Requires="a14">
+      <mc:AlternateContent xmlns:mc="http://schemas.openxmlformats.org/markup-compatibility/2006" xmlns:a14="http://schemas.microsoft.com/office/drawing/2010/main">
+        <mc:Choice Requires="a14">
           <p:sp>
             <p:nvSpPr>
               <p:cNvPr id="3" name="Content Placeholder 2"/>
@@ -12100,7 +12477,6 @@
                   <a:rPr lang="en-US" dirty="0" smtClean="0"/>
                   <a:t>grid. </a:t>
                 </a:r>
-                <a:endParaRPr lang="en-US" dirty="0" smtClean="0"/>
               </a:p>
               <a:p>
                 <a:endParaRPr lang="en-US" dirty="0" smtClean="0"/>
@@ -12336,7 +12712,7 @@
             </p:txBody>
           </p:sp>
         </mc:Choice>
-        <mc:Fallback>
+        <mc:Fallback xmlns="">
           <p:sp>
             <p:nvSpPr>
               <p:cNvPr id="3" name="Content Placeholder 2"/>
@@ -12938,11 +13314,7 @@
           <a:p>
             <a:r>
               <a:rPr lang="en-US" dirty="0" smtClean="0"/>
-              <a:t>GSC </a:t>
-            </a:r>
-            <a:r>
-              <a:rPr lang="en-US" dirty="0" smtClean="0"/>
-              <a:t>compensates </a:t>
+              <a:t>GSC compensates </a:t>
             </a:r>
             <a:r>
               <a:rPr lang="en-US" dirty="0"/>
@@ -13672,18 +14044,14 @@
             </a:r>
             <a:r>
               <a:rPr lang="en-US" dirty="0" smtClean="0"/>
-              <a:t>dq0-axis </a:t>
-            </a:r>
-            <a:r>
-              <a:rPr lang="en-US" dirty="0" smtClean="0"/>
-              <a:t>Model Equations</a:t>
+              <a:t>dq0-axis Model Equations</a:t>
             </a:r>
             <a:endParaRPr lang="en-US" dirty="0"/>
           </a:p>
         </p:txBody>
       </p:sp>
-      <mc:AlternateContent xmlns:mc="http://schemas.openxmlformats.org/markup-compatibility/2006">
-        <mc:Choice xmlns:a14="http://schemas.microsoft.com/office/drawing/2010/main" Requires="a14">
+      <mc:AlternateContent xmlns:mc="http://schemas.openxmlformats.org/markup-compatibility/2006" xmlns:a14="http://schemas.microsoft.com/office/drawing/2010/main">
+        <mc:Choice Requires="a14">
           <p:sp>
             <p:nvSpPr>
               <p:cNvPr id="6" name="Content Placeholder 5"/>
@@ -16737,7 +17105,7 @@
             </p:txBody>
           </p:sp>
         </mc:Choice>
-        <mc:Fallback>
+        <mc:Fallback xmlns="">
           <p:sp>
             <p:nvSpPr>
               <p:cNvPr id="6" name="Content Placeholder 5"/>

--- a/MS/Electric Drives Control/WECSAssignment7/Negative Sequence Compensation/DFIG.pptx
+++ b/MS/Electric Drives Control/WECSAssignment7/Negative Sequence Compensation/DFIG.pptx
@@ -3019,25 +3019,13 @@
         <p:spPr/>
         <p:txBody>
           <a:bodyPr>
-            <a:normAutofit fontScale="90000"/>
+            <a:normAutofit/>
           </a:bodyPr>
           <a:lstStyle/>
           <a:p>
             <a:r>
-              <a:rPr lang="en-US" dirty="0" smtClean="0"/>
-              <a:t>Control </a:t>
-            </a:r>
-            <a:r>
               <a:rPr lang="en-US" dirty="0"/>
-              <a:t>of Doubly Fed Induction </a:t>
-            </a:r>
-            <a:r>
-              <a:rPr lang="en-US" dirty="0" smtClean="0"/>
-              <a:t>Generator during Stator Voltage </a:t>
-            </a:r>
-            <a:r>
-              <a:rPr lang="en-US" dirty="0" smtClean="0"/>
-              <a:t>Imbalance</a:t>
+              <a:t>Analysis of DFIG with Unbalanced Stator Voltage</a:t>
             </a:r>
             <a:endParaRPr lang="en-US" dirty="0"/>
           </a:p>
@@ -9605,15 +9593,7 @@
           <a:p>
             <a:r>
               <a:rPr lang="en-US" dirty="0"/>
-              <a:t>Stator </a:t>
-            </a:r>
-            <a:r>
-              <a:rPr lang="en-US"/>
-              <a:t>Voltage </a:t>
-            </a:r>
-            <a:r>
-              <a:rPr lang="en-US" smtClean="0"/>
-              <a:t>Imbalance </a:t>
+              <a:t>Stator Voltage Unbalance </a:t>
             </a:r>
             <a:r>
               <a:rPr lang="en-US" dirty="0" smtClean="0"/>
